--- a/Documents/Program Overview.pptx
+++ b/Documents/Program Overview.pptx
@@ -3710,7 +3710,6 @@
               <a:rPr lang="en-US" dirty="0" smtClean="0"/>
               <a:t>Nomad Overview</a:t>
             </a:r>
-            <a:endParaRPr lang="en-US" dirty="0" smtClean="0"/>
           </a:p>
           <a:p>
             <a:r>
@@ -5035,11 +5034,7 @@
           <a:p>
             <a:r>
               <a:rPr lang="en-US" sz="2400" dirty="0" smtClean="0"/>
-              <a:t>Mark 1 – Video </a:t>
-            </a:r>
-            <a:r>
-              <a:rPr lang="en-US" sz="2400" dirty="0" smtClean="0"/>
-              <a:t>Photography</a:t>
+              <a:t>Mark 1 – Video Photography</a:t>
             </a:r>
           </a:p>
           <a:p>
@@ -5055,16 +5050,11 @@
               <a:rPr lang="en-US" sz="2000" dirty="0" smtClean="0"/>
               <a:t>Short range, high bandwidth optical payload datalink</a:t>
             </a:r>
-            <a:endParaRPr lang="en-US" sz="2000" dirty="0" smtClean="0"/>
           </a:p>
           <a:p>
             <a:r>
               <a:rPr lang="en-US" sz="2400" dirty="0" smtClean="0"/>
-              <a:t>Mark 2 – Aerial </a:t>
-            </a:r>
-            <a:r>
-              <a:rPr lang="en-US" sz="2400" dirty="0" smtClean="0"/>
-              <a:t>Survey</a:t>
+              <a:t>Mark 2 – Aerial Survey</a:t>
             </a:r>
           </a:p>
           <a:p>
@@ -5080,16 +5070,11 @@
               <a:rPr lang="en-US" sz="2000" dirty="0" smtClean="0"/>
               <a:t>Intended for semi-autonomous operation</a:t>
             </a:r>
-            <a:endParaRPr lang="en-US" sz="2000" dirty="0" smtClean="0"/>
           </a:p>
           <a:p>
             <a:r>
               <a:rPr lang="en-US" sz="2400" dirty="0" smtClean="0"/>
-              <a:t>Mark 3 – Remote access </a:t>
-            </a:r>
-            <a:r>
-              <a:rPr lang="en-US" sz="2400" dirty="0" smtClean="0"/>
-              <a:t>point</a:t>
+              <a:t>Mark 3 – Remote access point</a:t>
             </a:r>
           </a:p>
           <a:p>
@@ -5168,11 +5153,7 @@
           <a:p>
             <a:r>
               <a:rPr lang="en-US" dirty="0" smtClean="0"/>
-              <a:t>Nomad </a:t>
-            </a:r>
-            <a:r>
-              <a:rPr lang="en-US" dirty="0" smtClean="0"/>
-              <a:t>Capabilities</a:t>
+              <a:t>Nomad Capabilities</a:t>
             </a:r>
             <a:endParaRPr lang="en-US" dirty="0"/>
           </a:p>
@@ -5264,7 +5245,7 @@
           <p:nvPr>
             <p:extLst>
               <p:ext uri="{D42A27DB-BD31-4B8C-83A1-F6EECF244321}">
-                <p14:modId xmlns:p14="http://schemas.microsoft.com/office/powerpoint/2010/main" val="889754691"/>
+                <p14:modId xmlns:p14="http://schemas.microsoft.com/office/powerpoint/2010/main" val="138480211"/>
               </p:ext>
             </p:extLst>
           </p:nvPr>
@@ -5480,11 +5461,15 @@
                     <a:p>
                       <a:r>
                         <a:rPr lang="en-US" sz="1400" dirty="0" smtClean="0"/>
-                        <a:t>75mb/s</a:t>
+                        <a:t>35mb/s</a:t>
                       </a:r>
                       <a:r>
                         <a:rPr lang="en-US" sz="1400" baseline="0" dirty="0" smtClean="0"/>
-                        <a:t> AES256 encrypted link</a:t>
+                        <a:t> </a:t>
+                      </a:r>
+                      <a:r>
+                        <a:rPr lang="en-US" sz="1400" baseline="0" dirty="0" smtClean="0"/>
+                        <a:t>AES256 encrypted link</a:t>
                       </a:r>
                       <a:endParaRPr lang="en-US" sz="1400" dirty="0"/>
                     </a:p>
@@ -5779,38 +5764,30 @@
           <a:p>
             <a:r>
               <a:rPr lang="en-US" dirty="0" smtClean="0"/>
-              <a:t>Wanderer </a:t>
-            </a:r>
+              <a:t>Wanderer Modifications</a:t>
+            </a:r>
+            <a:endParaRPr lang="en-US" dirty="0"/>
+          </a:p>
+        </p:txBody>
+      </p:sp>
+      <p:sp>
+        <p:nvSpPr>
+          <p:cNvPr id="3" name="Content Placeholder 2"/>
+          <p:cNvSpPr>
+            <a:spLocks noGrp="1"/>
+          </p:cNvSpPr>
+          <p:nvPr>
+            <p:ph idx="1"/>
+          </p:nvPr>
+        </p:nvSpPr>
+        <p:spPr/>
+        <p:txBody>
+          <a:bodyPr/>
+          <a:lstStyle/>
+          <a:p>
             <a:r>
               <a:rPr lang="en-US" dirty="0" smtClean="0"/>
-              <a:t>Modifications</a:t>
-            </a:r>
-            <a:endParaRPr lang="en-US" dirty="0"/>
-          </a:p>
-        </p:txBody>
-      </p:sp>
-      <p:sp>
-        <p:nvSpPr>
-          <p:cNvPr id="3" name="Content Placeholder 2"/>
-          <p:cNvSpPr>
-            <a:spLocks noGrp="1"/>
-          </p:cNvSpPr>
-          <p:nvPr>
-            <p:ph idx="1"/>
-          </p:nvPr>
-        </p:nvSpPr>
-        <p:spPr/>
-        <p:txBody>
-          <a:bodyPr/>
-          <a:lstStyle/>
-          <a:p>
-            <a:r>
-              <a:rPr lang="en-US" dirty="0" smtClean="0"/>
-              <a:t>Needed </a:t>
-            </a:r>
-            <a:r>
-              <a:rPr lang="en-US" dirty="0" smtClean="0"/>
-              <a:t>updates to sensors to meet new performance requirements</a:t>
+              <a:t>Needed updates to sensors to meet new performance requirements</a:t>
             </a:r>
           </a:p>
           <a:p>
@@ -5824,13 +5801,8 @@
             <a:pPr lvl="1"/>
             <a:r>
               <a:rPr lang="en-US" dirty="0" smtClean="0"/>
-              <a:t>Required mounting more forward </a:t>
-            </a:r>
-            <a:r>
-              <a:rPr lang="en-US" dirty="0" smtClean="0"/>
-              <a:t>than wanderer to provide unobstructed FOV</a:t>
-            </a:r>
-            <a:endParaRPr lang="en-US" dirty="0" smtClean="0"/>
+              <a:t>Required mounting more forward than wanderer to provide unobstructed FOV</a:t>
+            </a:r>
           </a:p>
           <a:p>
             <a:r>
